--- a/Musicclustering🎵.pptx
+++ b/Musicclustering🎵.pptx
@@ -5,10 +5,10 @@
     <p:sldMasterId id="2147483650" r:id="rId4"/>
   </p:sldMasterIdLst>
   <p:notesMasterIdLst>
-    <p:notesMasterId r:id="rId12"/>
+    <p:notesMasterId r:id="rId11"/>
   </p:notesMasterIdLst>
   <p:handoutMasterIdLst>
-    <p:handoutMasterId r:id="rId13"/>
+    <p:handoutMasterId r:id="rId12"/>
   </p:handoutMasterIdLst>
   <p:sldIdLst>
     <p:sldId id="312" r:id="rId5"/>
@@ -16,8 +16,7 @@
     <p:sldId id="325" r:id="rId7"/>
     <p:sldId id="281" r:id="rId8"/>
     <p:sldId id="326" r:id="rId9"/>
-    <p:sldId id="322" r:id="rId10"/>
-    <p:sldId id="297" r:id="rId11"/>
+    <p:sldId id="297" r:id="rId10"/>
   </p:sldIdLst>
   <p:sldSz cx="12192000" cy="6858000"/>
   <p:notesSz cx="13716000" cy="24384000"/>
@@ -222,6 +221,27 @@
 <p188:authorLst xmlns:a="http://schemas.openxmlformats.org/drawingml/2006/main" xmlns:r="http://schemas.openxmlformats.org/officeDocument/2006/relationships" xmlns:p188="http://schemas.microsoft.com/office/powerpoint/2018/8/main">
   <p188:author id="{00000000-0000-0000-0000-000000000000}" name="Author" initials="A" userId="Author" providerId="AD"/>
 </p188:authorLst>
+</file>
+
+<file path=ppt/changesInfos/changesInfo1.xml><?xml version="1.0" encoding="utf-8"?>
+<pc:chgInfo xmlns:a="http://schemas.openxmlformats.org/drawingml/2006/main" xmlns:r="http://schemas.openxmlformats.org/officeDocument/2006/relationships" xmlns:ac="http://schemas.microsoft.com/office/drawing/2013/main/command" xmlns:pc="http://schemas.microsoft.com/office/powerpoint/2013/main/command">
+  <pc:docChgLst>
+    <pc:chgData name="manishapriya1203@outlook.com" userId="d53d253602e90c2f" providerId="LiveId" clId="{F2557EBF-B4E1-4CF4-BB06-8D5FBCA51F00}"/>
+    <pc:docChg chg="delSld">
+      <pc:chgData name="manishapriya1203@outlook.com" userId="d53d253602e90c2f" providerId="LiveId" clId="{F2557EBF-B4E1-4CF4-BB06-8D5FBCA51F00}" dt="2025-10-31T09:54:00.849" v="0" actId="47"/>
+      <pc:docMkLst>
+        <pc:docMk/>
+      </pc:docMkLst>
+      <pc:sldChg chg="del">
+        <pc:chgData name="manishapriya1203@outlook.com" userId="d53d253602e90c2f" providerId="LiveId" clId="{F2557EBF-B4E1-4CF4-BB06-8D5FBCA51F00}" dt="2025-10-31T09:54:00.849" v="0" actId="47"/>
+        <pc:sldMkLst>
+          <pc:docMk/>
+          <pc:sldMk cId="1686213229" sldId="322"/>
+        </pc:sldMkLst>
+      </pc:sldChg>
+    </pc:docChg>
+  </pc:docChgLst>
+</pc:chgInfo>
 </file>
 
 <file path=ppt/handoutMasters/handoutMaster1.xml><?xml version="1.0" encoding="utf-8"?>
@@ -1010,89 +1030,6 @@
 </file>
 
 <file path=ppt/notesSlides/notesSlide6.xml><?xml version="1.0" encoding="utf-8"?>
-<p:notes xmlns:a="http://schemas.openxmlformats.org/drawingml/2006/main" xmlns:r="http://schemas.openxmlformats.org/officeDocument/2006/relationships" xmlns:p="http://schemas.openxmlformats.org/presentationml/2006/main">
-  <p:cSld>
-    <p:spTree>
-      <p:nvGrpSpPr>
-        <p:cNvPr id="1" name=""/>
-        <p:cNvGrpSpPr/>
-        <p:nvPr/>
-      </p:nvGrpSpPr>
-      <p:grpSpPr>
-        <a:xfrm>
-          <a:off x="0" y="0"/>
-          <a:ext cx="0" cy="0"/>
-          <a:chOff x="0" y="0"/>
-          <a:chExt cx="0" cy="0"/>
-        </a:xfrm>
-      </p:grpSpPr>
-      <p:sp>
-        <p:nvSpPr>
-          <p:cNvPr id="2" name="Slide Image Placeholder 1"/>
-          <p:cNvSpPr>
-            <a:spLocks noGrp="1" noRot="1" noChangeAspect="1"/>
-          </p:cNvSpPr>
-          <p:nvPr>
-            <p:ph type="sldImg"/>
-          </p:nvPr>
-        </p:nvSpPr>
-        <p:spPr>
-          <a:xfrm>
-            <a:off x="-457200" y="3048000"/>
-            <a:ext cx="14630400" cy="8229600"/>
-          </a:xfrm>
-          <a:prstGeom prst="rect">
-            <a:avLst/>
-          </a:prstGeom>
-          <a:noFill/>
-          <a:ln w="12700">
-            <a:solidFill>
-              <a:prstClr val="black"/>
-            </a:solidFill>
-          </a:ln>
-        </p:spPr>
-      </p:sp>
-      <p:sp>
-        <p:nvSpPr>
-          <p:cNvPr id="3" name="Notes Placeholder 2"/>
-          <p:cNvSpPr>
-            <a:spLocks noGrp="1"/>
-          </p:cNvSpPr>
-          <p:nvPr>
-            <p:ph type="body" idx="1"/>
-          </p:nvPr>
-        </p:nvSpPr>
-        <p:spPr>
-          <a:xfrm>
-            <a:off x="1371600" y="11734800"/>
-            <a:ext cx="10972800" cy="9601200"/>
-          </a:xfrm>
-          <a:prstGeom prst="rect">
-            <a:avLst/>
-          </a:prstGeom>
-        </p:spPr>
-        <p:txBody>
-          <a:bodyPr/>
-          <a:lstStyle/>
-          <a:p>
-            <a:endParaRPr lang="en-US" dirty="0"/>
-          </a:p>
-        </p:txBody>
-      </p:sp>
-    </p:spTree>
-    <p:extLst>
-      <p:ext uri="{BB962C8B-B14F-4D97-AF65-F5344CB8AC3E}">
-        <p14:creationId xmlns:p14="http://schemas.microsoft.com/office/powerpoint/2010/main" val="2508814883"/>
-      </p:ext>
-    </p:extLst>
-  </p:cSld>
-  <p:clrMapOvr>
-    <a:masterClrMapping/>
-  </p:clrMapOvr>
-</p:notes>
-</file>
-
-<file path=ppt/notesSlides/notesSlide7.xml><?xml version="1.0" encoding="utf-8"?>
 <p:notes xmlns:a="http://schemas.openxmlformats.org/drawingml/2006/main" xmlns:r="http://schemas.openxmlformats.org/officeDocument/2006/relationships" xmlns:p="http://schemas.openxmlformats.org/presentationml/2006/main">
   <p:cSld>
     <p:spTree>
@@ -18116,523 +18053,6 @@
           <p:cNvPr id="2" name="Title 1">
             <a:extLst>
               <a:ext uri="{FF2B5EF4-FFF2-40B4-BE49-F238E27FC236}">
-                <a16:creationId xmlns:a16="http://schemas.microsoft.com/office/drawing/2014/main" id="{4730A324-0737-F0DA-1F7D-10CBE06D7C3F}"/>
-              </a:ext>
-            </a:extLst>
-          </p:cNvPr>
-          <p:cNvSpPr>
-            <a:spLocks noGrp="1"/>
-          </p:cNvSpPr>
-          <p:nvPr>
-            <p:ph type="title"/>
-          </p:nvPr>
-        </p:nvSpPr>
-        <p:spPr>
-          <a:xfrm>
-            <a:off x="914400" y="1057274"/>
-            <a:ext cx="10511627" cy="1012785"/>
-          </a:xfrm>
-        </p:spPr>
-        <p:txBody>
-          <a:bodyPr/>
-          <a:lstStyle/>
-          <a:p>
-            <a:r>
-              <a:rPr lang="en-US" dirty="0"/>
-              <a:t>Speaking engagement metrics</a:t>
-            </a:r>
-          </a:p>
-        </p:txBody>
-      </p:sp>
-      <p:graphicFrame>
-        <p:nvGraphicFramePr>
-          <p:cNvPr id="5" name="Content Placeholder 4">
-            <a:extLst>
-              <a:ext uri="{FF2B5EF4-FFF2-40B4-BE49-F238E27FC236}">
-                <a16:creationId xmlns:a16="http://schemas.microsoft.com/office/drawing/2014/main" id="{AC0C7FF8-9CAF-6C67-C1E5-AF40401D0B3D}"/>
-              </a:ext>
-            </a:extLst>
-          </p:cNvPr>
-          <p:cNvGraphicFramePr>
-            <a:graphicFrameLocks noGrp="1"/>
-          </p:cNvGraphicFramePr>
-          <p:nvPr>
-            <p:ph sz="quarter" idx="4"/>
-            <p:extLst>
-              <p:ext uri="{D42A27DB-BD31-4B8C-83A1-F6EECF244321}">
-                <p14:modId xmlns:p14="http://schemas.microsoft.com/office/powerpoint/2010/main" val="1242603479"/>
-              </p:ext>
-            </p:extLst>
-          </p:nvPr>
-        </p:nvGraphicFramePr>
-        <p:xfrm>
-          <a:off x="914400" y="2316163"/>
-          <a:ext cx="10510836" cy="3948462"/>
-        </p:xfrm>
-        <a:graphic>
-          <a:graphicData uri="http://schemas.openxmlformats.org/drawingml/2006/table">
-            <a:tbl>
-              <a:tblPr firstRow="1" bandRow="1">
-                <a:tableStyleId>{C083E6E3-FA7D-4D7B-A595-EF9225AFEA82}</a:tableStyleId>
-              </a:tblPr>
-              <a:tblGrid>
-                <a:gridCol w="4080076">
-                  <a:extLst>
-                    <a:ext uri="{9D8B030D-6E8A-4147-A177-3AD203B41FA5}">
-                      <a16:colId xmlns:a16="http://schemas.microsoft.com/office/drawing/2014/main" val="1764027237"/>
-                    </a:ext>
-                  </a:extLst>
-                </a:gridCol>
-                <a:gridCol w="4080076">
-                  <a:extLst>
-                    <a:ext uri="{9D8B030D-6E8A-4147-A177-3AD203B41FA5}">
-                      <a16:colId xmlns:a16="http://schemas.microsoft.com/office/drawing/2014/main" val="778914542"/>
-                    </a:ext>
-                  </a:extLst>
-                </a:gridCol>
-                <a:gridCol w="1175342">
-                  <a:extLst>
-                    <a:ext uri="{9D8B030D-6E8A-4147-A177-3AD203B41FA5}">
-                      <a16:colId xmlns:a16="http://schemas.microsoft.com/office/drawing/2014/main" val="4233386372"/>
-                    </a:ext>
-                  </a:extLst>
-                </a:gridCol>
-                <a:gridCol w="1175342">
-                  <a:extLst>
-                    <a:ext uri="{9D8B030D-6E8A-4147-A177-3AD203B41FA5}">
-                      <a16:colId xmlns:a16="http://schemas.microsoft.com/office/drawing/2014/main" val="1626524931"/>
-                    </a:ext>
-                  </a:extLst>
-                </a:gridCol>
-              </a:tblGrid>
-              <a:tr h="658077">
-                <a:tc>
-                  <a:txBody>
-                    <a:bodyPr/>
-                    <a:lstStyle/>
-                    <a:p>
-                      <a:r>
-                        <a:rPr lang="en-US" dirty="0"/>
-                        <a:t>Impact factor</a:t>
-                      </a:r>
-                    </a:p>
-                  </a:txBody>
-                  <a:tcPr anchor="ctr"/>
-                </a:tc>
-                <a:tc>
-                  <a:txBody>
-                    <a:bodyPr/>
-                    <a:lstStyle/>
-                    <a:p>
-                      <a:r>
-                        <a:rPr lang="en-US" dirty="0"/>
-                        <a:t>Measurement</a:t>
-                      </a:r>
-                    </a:p>
-                  </a:txBody>
-                  <a:tcPr anchor="ctr"/>
-                </a:tc>
-                <a:tc>
-                  <a:txBody>
-                    <a:bodyPr/>
-                    <a:lstStyle/>
-                    <a:p>
-                      <a:r>
-                        <a:rPr lang="en-US" dirty="0"/>
-                        <a:t>Target</a:t>
-                      </a:r>
-                    </a:p>
-                  </a:txBody>
-                  <a:tcPr anchor="ctr"/>
-                </a:tc>
-                <a:tc>
-                  <a:txBody>
-                    <a:bodyPr/>
-                    <a:lstStyle/>
-                    <a:p>
-                      <a:r>
-                        <a:rPr lang="en-US" dirty="0"/>
-                        <a:t>Achieved</a:t>
-                      </a:r>
-                    </a:p>
-                  </a:txBody>
-                  <a:tcPr anchor="ctr"/>
-                </a:tc>
-                <a:extLst>
-                  <a:ext uri="{0D108BD9-81ED-4DB2-BD59-A6C34878D82A}">
-                    <a16:rowId xmlns:a16="http://schemas.microsoft.com/office/drawing/2014/main" val="2865033212"/>
-                  </a:ext>
-                </a:extLst>
-              </a:tr>
-              <a:tr h="658077">
-                <a:tc>
-                  <a:txBody>
-                    <a:bodyPr/>
-                    <a:lstStyle/>
-                    <a:p>
-                      <a:r>
-                        <a:rPr lang="en-US" dirty="0"/>
-                        <a:t>Audience</a:t>
-                      </a:r>
-                    </a:p>
-                  </a:txBody>
-                  <a:tcPr anchor="ctr"/>
-                </a:tc>
-                <a:tc>
-                  <a:txBody>
-                    <a:bodyPr/>
-                    <a:lstStyle/>
-                    <a:p>
-                      <a:r>
-                        <a:rPr lang="en-US" dirty="0"/>
-                        <a:t>Percentage (%)</a:t>
-                      </a:r>
-                    </a:p>
-                  </a:txBody>
-                  <a:tcPr anchor="ctr"/>
-                </a:tc>
-                <a:tc>
-                  <a:txBody>
-                    <a:bodyPr/>
-                    <a:lstStyle/>
-                    <a:p>
-                      <a:r>
-                        <a:rPr lang="en-US" dirty="0"/>
-                        <a:t>85</a:t>
-                      </a:r>
-                    </a:p>
-                  </a:txBody>
-                  <a:tcPr anchor="ctr"/>
-                </a:tc>
-                <a:tc>
-                  <a:txBody>
-                    <a:bodyPr/>
-                    <a:lstStyle/>
-                    <a:p>
-                      <a:r>
-                        <a:rPr lang="en-US" dirty="0"/>
-                        <a:t>88</a:t>
-                      </a:r>
-                    </a:p>
-                  </a:txBody>
-                  <a:tcPr anchor="ctr"/>
-                </a:tc>
-                <a:extLst>
-                  <a:ext uri="{0D108BD9-81ED-4DB2-BD59-A6C34878D82A}">
-                    <a16:rowId xmlns:a16="http://schemas.microsoft.com/office/drawing/2014/main" val="773796761"/>
-                  </a:ext>
-                </a:extLst>
-              </a:tr>
-              <a:tr h="658077">
-                <a:tc>
-                  <a:txBody>
-                    <a:bodyPr/>
-                    <a:lstStyle/>
-                    <a:p>
-                      <a:r>
-                        <a:rPr lang="en-US" dirty="0"/>
-                        <a:t>Knowledge retention</a:t>
-                      </a:r>
-                    </a:p>
-                  </a:txBody>
-                  <a:tcPr anchor="ctr"/>
-                </a:tc>
-                <a:tc>
-                  <a:txBody>
-                    <a:bodyPr/>
-                    <a:lstStyle/>
-                    <a:p>
-                      <a:r>
-                        <a:rPr lang="en-US" dirty="0"/>
-                        <a:t>Percentage (%)</a:t>
-                      </a:r>
-                    </a:p>
-                  </a:txBody>
-                  <a:tcPr anchor="ctr"/>
-                </a:tc>
-                <a:tc>
-                  <a:txBody>
-                    <a:bodyPr/>
-                    <a:lstStyle/>
-                    <a:p>
-                      <a:r>
-                        <a:rPr lang="en-US" dirty="0"/>
-                        <a:t>75</a:t>
-                      </a:r>
-                    </a:p>
-                  </a:txBody>
-                  <a:tcPr anchor="ctr"/>
-                </a:tc>
-                <a:tc>
-                  <a:txBody>
-                    <a:bodyPr/>
-                    <a:lstStyle/>
-                    <a:p>
-                      <a:r>
-                        <a:rPr lang="en-US" dirty="0"/>
-                        <a:t>80</a:t>
-                      </a:r>
-                    </a:p>
-                  </a:txBody>
-                  <a:tcPr anchor="ctr"/>
-                </a:tc>
-                <a:extLst>
-                  <a:ext uri="{0D108BD9-81ED-4DB2-BD59-A6C34878D82A}">
-                    <a16:rowId xmlns:a16="http://schemas.microsoft.com/office/drawing/2014/main" val="1789202252"/>
-                  </a:ext>
-                </a:extLst>
-              </a:tr>
-              <a:tr h="658077">
-                <a:tc>
-                  <a:txBody>
-                    <a:bodyPr/>
-                    <a:lstStyle/>
-                    <a:p>
-                      <a:r>
-                        <a:rPr lang="en-US" dirty="0"/>
-                        <a:t>Post-presentation surveys</a:t>
-                      </a:r>
-                    </a:p>
-                  </a:txBody>
-                  <a:tcPr anchor="ctr"/>
-                </a:tc>
-                <a:tc>
-                  <a:txBody>
-                    <a:bodyPr/>
-                    <a:lstStyle/>
-                    <a:p>
-                      <a:r>
-                        <a:rPr lang="en-US" dirty="0"/>
-                        <a:t>Average rating</a:t>
-                      </a:r>
-                    </a:p>
-                  </a:txBody>
-                  <a:tcPr anchor="ctr"/>
-                </a:tc>
-                <a:tc>
-                  <a:txBody>
-                    <a:bodyPr/>
-                    <a:lstStyle/>
-                    <a:p>
-                      <a:r>
-                        <a:rPr lang="en-US" dirty="0"/>
-                        <a:t>4.2</a:t>
-                      </a:r>
-                    </a:p>
-                  </a:txBody>
-                  <a:tcPr anchor="ctr"/>
-                </a:tc>
-                <a:tc>
-                  <a:txBody>
-                    <a:bodyPr/>
-                    <a:lstStyle/>
-                    <a:p>
-                      <a:r>
-                        <a:rPr lang="en-US" dirty="0"/>
-                        <a:t>4.5</a:t>
-                      </a:r>
-                    </a:p>
-                  </a:txBody>
-                  <a:tcPr anchor="ctr"/>
-                </a:tc>
-                <a:extLst>
-                  <a:ext uri="{0D108BD9-81ED-4DB2-BD59-A6C34878D82A}">
-                    <a16:rowId xmlns:a16="http://schemas.microsoft.com/office/drawing/2014/main" val="2325356481"/>
-                  </a:ext>
-                </a:extLst>
-              </a:tr>
-              <a:tr h="658077">
-                <a:tc>
-                  <a:txBody>
-                    <a:bodyPr/>
-                    <a:lstStyle/>
-                    <a:p>
-                      <a:r>
-                        <a:rPr lang="en-US" dirty="0"/>
-                        <a:t>Referral rate</a:t>
-                      </a:r>
-                    </a:p>
-                  </a:txBody>
-                  <a:tcPr anchor="ctr"/>
-                </a:tc>
-                <a:tc>
-                  <a:txBody>
-                    <a:bodyPr/>
-                    <a:lstStyle/>
-                    <a:p>
-                      <a:r>
-                        <a:rPr lang="en-US" dirty="0"/>
-                        <a:t>Percentage (%)</a:t>
-                      </a:r>
-                    </a:p>
-                  </a:txBody>
-                  <a:tcPr anchor="ctr"/>
-                </a:tc>
-                <a:tc>
-                  <a:txBody>
-                    <a:bodyPr/>
-                    <a:lstStyle/>
-                    <a:p>
-                      <a:r>
-                        <a:rPr lang="en-US" dirty="0"/>
-                        <a:t>10</a:t>
-                      </a:r>
-                    </a:p>
-                  </a:txBody>
-                  <a:tcPr anchor="ctr"/>
-                </a:tc>
-                <a:tc>
-                  <a:txBody>
-                    <a:bodyPr/>
-                    <a:lstStyle/>
-                    <a:p>
-                      <a:r>
-                        <a:rPr lang="en-US" dirty="0"/>
-                        <a:t>12</a:t>
-                      </a:r>
-                    </a:p>
-                  </a:txBody>
-                  <a:tcPr anchor="ctr"/>
-                </a:tc>
-                <a:extLst>
-                  <a:ext uri="{0D108BD9-81ED-4DB2-BD59-A6C34878D82A}">
-                    <a16:rowId xmlns:a16="http://schemas.microsoft.com/office/drawing/2014/main" val="3322085491"/>
-                  </a:ext>
-                </a:extLst>
-              </a:tr>
-              <a:tr h="658077">
-                <a:tc>
-                  <a:txBody>
-                    <a:bodyPr/>
-                    <a:lstStyle/>
-                    <a:p>
-                      <a:r>
-                        <a:rPr lang="en-US" dirty="0"/>
-                        <a:t>Collaboration opportunities</a:t>
-                      </a:r>
-                    </a:p>
-                  </a:txBody>
-                  <a:tcPr anchor="ctr"/>
-                </a:tc>
-                <a:tc>
-                  <a:txBody>
-                    <a:bodyPr/>
-                    <a:lstStyle/>
-                    <a:p>
-                      <a:r>
-                        <a:rPr lang="en-US" dirty="0"/>
-                        <a:t># of opportunities</a:t>
-                      </a:r>
-                    </a:p>
-                  </a:txBody>
-                  <a:tcPr anchor="ctr"/>
-                </a:tc>
-                <a:tc>
-                  <a:txBody>
-                    <a:bodyPr/>
-                    <a:lstStyle/>
-                    <a:p>
-                      <a:r>
-                        <a:rPr lang="en-US" dirty="0"/>
-                        <a:t>8</a:t>
-                      </a:r>
-                    </a:p>
-                  </a:txBody>
-                  <a:tcPr anchor="ctr"/>
-                </a:tc>
-                <a:tc>
-                  <a:txBody>
-                    <a:bodyPr/>
-                    <a:lstStyle/>
-                    <a:p>
-                      <a:r>
-                        <a:rPr lang="en-US" dirty="0"/>
-                        <a:t>10</a:t>
-                      </a:r>
-                    </a:p>
-                  </a:txBody>
-                  <a:tcPr anchor="ctr"/>
-                </a:tc>
-                <a:extLst>
-                  <a:ext uri="{0D108BD9-81ED-4DB2-BD59-A6C34878D82A}">
-                    <a16:rowId xmlns:a16="http://schemas.microsoft.com/office/drawing/2014/main" val="2682318458"/>
-                  </a:ext>
-                </a:extLst>
-              </a:tr>
-            </a:tbl>
-          </a:graphicData>
-        </a:graphic>
-      </p:graphicFrame>
-      <p:sp>
-        <p:nvSpPr>
-          <p:cNvPr id="3" name="Slide Number Placeholder 2">
-            <a:extLst>
-              <a:ext uri="{FF2B5EF4-FFF2-40B4-BE49-F238E27FC236}">
-                <a16:creationId xmlns:a16="http://schemas.microsoft.com/office/drawing/2014/main" id="{AC21286A-7B29-3B58-1636-0F45723890AB}"/>
-              </a:ext>
-            </a:extLst>
-          </p:cNvPr>
-          <p:cNvSpPr>
-            <a:spLocks noGrp="1"/>
-          </p:cNvSpPr>
-          <p:nvPr>
-            <p:ph type="sldNum" sz="quarter" idx="10"/>
-          </p:nvPr>
-        </p:nvSpPr>
-        <p:spPr>
-          <a:xfrm>
-            <a:off x="10358437" y="457199"/>
-            <a:ext cx="1067589" cy="471489"/>
-          </a:xfrm>
-        </p:spPr>
-        <p:txBody>
-          <a:bodyPr/>
-          <a:lstStyle/>
-          <a:p>
-            <a:fld id="{48F63A3B-78C7-47BE-AE5E-E10140E04643}" type="slidenum">
-              <a:rPr lang="en-US" smtClean="0"/>
-              <a:pPr/>
-              <a:t>6</a:t>
-            </a:fld>
-            <a:endParaRPr lang="en-US" dirty="0"/>
-          </a:p>
-        </p:txBody>
-      </p:sp>
-    </p:spTree>
-    <p:extLst>
-      <p:ext uri="{BB962C8B-B14F-4D97-AF65-F5344CB8AC3E}">
-        <p14:creationId xmlns:p14="http://schemas.microsoft.com/office/powerpoint/2010/main" val="1686213229"/>
-      </p:ext>
-    </p:extLst>
-  </p:cSld>
-  <p:clrMapOvr>
-    <a:masterClrMapping/>
-  </p:clrMapOvr>
-</p:sld>
-</file>
-
-<file path=ppt/slides/slide7.xml><?xml version="1.0" encoding="utf-8"?>
-<p:sld xmlns:a="http://schemas.openxmlformats.org/drawingml/2006/main" xmlns:r="http://schemas.openxmlformats.org/officeDocument/2006/relationships" xmlns:p="http://schemas.openxmlformats.org/presentationml/2006/main">
-  <p:cSld>
-    <p:spTree>
-      <p:nvGrpSpPr>
-        <p:cNvPr id="1" name=""/>
-        <p:cNvGrpSpPr/>
-        <p:nvPr/>
-      </p:nvGrpSpPr>
-      <p:grpSpPr>
-        <a:xfrm>
-          <a:off x="0" y="0"/>
-          <a:ext cx="0" cy="0"/>
-          <a:chOff x="0" y="0"/>
-          <a:chExt cx="0" cy="0"/>
-        </a:xfrm>
-      </p:grpSpPr>
-      <p:sp>
-        <p:nvSpPr>
-          <p:cNvPr id="2" name="Title 1">
-            <a:extLst>
-              <a:ext uri="{FF2B5EF4-FFF2-40B4-BE49-F238E27FC236}">
                 <a16:creationId xmlns:a16="http://schemas.microsoft.com/office/drawing/2014/main" id="{509D22C5-0C9E-B582-A8FE-B45E70A01E7F}"/>
               </a:ext>
             </a:extLst>
@@ -19480,6 +18900,15 @@
 </file>
 
 <file path=customXml/item1.xml><?xml version="1.0" encoding="utf-8"?>
+<?mso-contentType ?>
+<FormTemplates xmlns="http://schemas.microsoft.com/sharepoint/v3/contenttype/forms">
+  <Display>DocumentLibraryForm</Display>
+  <Edit>DocumentLibraryForm</Edit>
+  <New>DocumentLibraryForm</New>
+</FormTemplates>
+</file>
+
+<file path=customXml/item2.xml><?xml version="1.0" encoding="utf-8"?>
 <p:properties xmlns:p="http://schemas.microsoft.com/office/2006/metadata/properties" xmlns:xsi="http://www.w3.org/2001/XMLSchema-instance" xmlns:pc="http://schemas.microsoft.com/office/infopath/2007/PartnerControls">
   <documentManagement>
     <_ip_UnifiedCompliancePolicyUIAction xmlns="http://schemas.microsoft.com/sharepoint/v3" xsi:nil="true"/>
@@ -19497,15 +18926,6 @@
     <MediaServiceKeyPoints xmlns="71af3243-3dd4-4a8d-8c0d-dd76da1f02a5" xsi:nil="true"/>
   </documentManagement>
 </p:properties>
-</file>
-
-<file path=customXml/item2.xml><?xml version="1.0" encoding="utf-8"?>
-<?mso-contentType ?>
-<FormTemplates xmlns="http://schemas.microsoft.com/sharepoint/v3/contenttype/forms">
-  <Display>DocumentLibraryForm</Display>
-  <Edit>DocumentLibraryForm</Edit>
-  <New>DocumentLibraryForm</New>
-</FormTemplates>
 </file>
 
 <file path=customXml/item3.xml><?xml version="1.0" encoding="utf-8"?>
@@ -19821,6 +19241,14 @@
 </file>
 
 <file path=customXml/itemProps1.xml><?xml version="1.0" encoding="utf-8"?>
+<ds:datastoreItem xmlns:ds="http://schemas.openxmlformats.org/officeDocument/2006/customXml" ds:itemID="{16DBB56F-4362-4386-A1A1-3DF898896616}">
+  <ds:schemaRefs>
+    <ds:schemaRef ds:uri="http://schemas.microsoft.com/sharepoint/v3/contenttype/forms"/>
+  </ds:schemaRefs>
+</ds:datastoreItem>
+</file>
+
+<file path=customXml/itemProps2.xml><?xml version="1.0" encoding="utf-8"?>
 <ds:datastoreItem xmlns:ds="http://schemas.openxmlformats.org/officeDocument/2006/customXml" ds:itemID="{BA719FA4-954C-4FA8-82CB-206659C3B826}">
   <ds:schemaRefs>
     <ds:schemaRef ds:uri="http://schemas.microsoft.com/office/2006/metadata/properties"/>
@@ -19828,14 +19256,6 @@
     <ds:schemaRef ds:uri="http://schemas.microsoft.com/sharepoint/v3"/>
     <ds:schemaRef ds:uri="71af3243-3dd4-4a8d-8c0d-dd76da1f02a5"/>
     <ds:schemaRef ds:uri="230e9df3-be65-4c73-a93b-d1236ebd677e"/>
-  </ds:schemaRefs>
-</ds:datastoreItem>
-</file>
-
-<file path=customXml/itemProps2.xml><?xml version="1.0" encoding="utf-8"?>
-<ds:datastoreItem xmlns:ds="http://schemas.openxmlformats.org/officeDocument/2006/customXml" ds:itemID="{16DBB56F-4362-4386-A1A1-3DF898896616}">
-  <ds:schemaRefs>
-    <ds:schemaRef ds:uri="http://schemas.microsoft.com/sharepoint/v3/contenttype/forms"/>
   </ds:schemaRefs>
 </ds:datastoreItem>
 </file>
